--- a/GO_presentacion.pptx
+++ b/GO_presentacion.pptx
@@ -17,10 +17,9 @@
     <p:sldId id="261" r:id="rId11"/>
     <p:sldId id="260" r:id="rId12"/>
     <p:sldId id="264" r:id="rId13"/>
-    <p:sldId id="271" r:id="rId14"/>
-    <p:sldId id="268" r:id="rId15"/>
-    <p:sldId id="266" r:id="rId16"/>
-    <p:sldId id="267" r:id="rId17"/>
+    <p:sldId id="268" r:id="rId14"/>
+    <p:sldId id="266" r:id="rId15"/>
+    <p:sldId id="267" r:id="rId16"/>
   </p:sldIdLst>
   <p:sldSz cx="12192000" cy="6858000"/>
   <p:notesSz cx="6858000" cy="9144000"/>
@@ -401,7 +400,7 @@
           <a:p>
             <a:fld id="{78ABE3C1-DBE1-495D-B57B-2849774B866A}" type="datetimeFigureOut">
               <a:rPr lang="en-US" smtClean="0"/>
-              <a:t>1/30/2018</a:t>
+              <a:t>1/31/2018</a:t>
             </a:fld>
             <a:endParaRPr lang="en-US" dirty="0"/>
           </a:p>
@@ -815,7 +814,7 @@
           <a:p>
             <a:fld id="{9D6E9DEC-419B-4CC5-A080-3B06BD5A8291}" type="datetimeFigureOut">
               <a:rPr lang="en-US" smtClean="0"/>
-              <a:t>1/30/2018</a:t>
+              <a:t>1/31/2018</a:t>
             </a:fld>
             <a:endParaRPr lang="en-US" dirty="0"/>
           </a:p>
@@ -1153,7 +1152,7 @@
           <a:p>
             <a:fld id="{84EB90BD-B6CE-46B7-997F-7313B992CCDC}" type="datetimeFigureOut">
               <a:rPr lang="en-US" smtClean="0"/>
-              <a:t>1/30/2018</a:t>
+              <a:t>1/31/2018</a:t>
             </a:fld>
             <a:endParaRPr lang="en-US" dirty="0"/>
           </a:p>
@@ -1558,7 +1557,7 @@
           <a:p>
             <a:fld id="{9D6E9DEC-419B-4CC5-A080-3B06BD5A8291}" type="datetimeFigureOut">
               <a:rPr lang="en-US" smtClean="0"/>
-              <a:t>1/30/2018</a:t>
+              <a:t>1/31/2018</a:t>
             </a:fld>
             <a:endParaRPr lang="en-US" dirty="0"/>
           </a:p>
@@ -2128,7 +2127,7 @@
           <a:p>
             <a:fld id="{9D6E9DEC-419B-4CC5-A080-3B06BD5A8291}" type="datetimeFigureOut">
               <a:rPr lang="en-US" smtClean="0"/>
-              <a:t>1/30/2018</a:t>
+              <a:t>1/31/2018</a:t>
             </a:fld>
             <a:endParaRPr lang="en-US" dirty="0"/>
           </a:p>
@@ -2811,7 +2810,7 @@
           <a:p>
             <a:fld id="{9D6E9DEC-419B-4CC5-A080-3B06BD5A8291}" type="datetimeFigureOut">
               <a:rPr lang="en-US" smtClean="0"/>
-              <a:t>1/30/2018</a:t>
+              <a:t>1/31/2018</a:t>
             </a:fld>
             <a:endParaRPr lang="en-US" dirty="0"/>
           </a:p>
@@ -3726,7 +3725,7 @@
           <a:p>
             <a:fld id="{9D6E9DEC-419B-4CC5-A080-3B06BD5A8291}" type="datetimeFigureOut">
               <a:rPr lang="en-US" smtClean="0"/>
-              <a:t>1/30/2018</a:t>
+              <a:t>1/31/2018</a:t>
             </a:fld>
             <a:endParaRPr lang="en-US" dirty="0"/>
           </a:p>
@@ -4041,7 +4040,7 @@
           <a:p>
             <a:fld id="{1FA3F48C-C7C6-4055-9F49-3777875E72AE}" type="datetimeFigureOut">
               <a:rPr lang="en-US" smtClean="0"/>
-              <a:t>1/30/2018</a:t>
+              <a:t>1/31/2018</a:t>
             </a:fld>
             <a:endParaRPr lang="en-US" dirty="0"/>
           </a:p>
@@ -4305,7 +4304,7 @@
           <a:p>
             <a:fld id="{6178E61D-D431-422C-9764-11DAFE33AB63}" type="datetimeFigureOut">
               <a:rPr lang="en-US" smtClean="0"/>
-              <a:t>1/30/2018</a:t>
+              <a:t>1/31/2018</a:t>
             </a:fld>
             <a:endParaRPr lang="en-US" dirty="0"/>
           </a:p>
@@ -4629,7 +4628,7 @@
           <a:p>
             <a:fld id="{12DE42F4-6EEF-4EF7-8ED4-2208F0F89A08}" type="datetimeFigureOut">
               <a:rPr lang="en-US" smtClean="0"/>
-              <a:t>1/30/2018</a:t>
+              <a:t>1/31/2018</a:t>
             </a:fld>
             <a:endParaRPr lang="en-US" dirty="0"/>
           </a:p>
@@ -5018,7 +5017,7 @@
           <a:p>
             <a:fld id="{30578ACC-22D6-47C1-A373-4FD133E34F3C}" type="datetimeFigureOut">
               <a:rPr lang="en-US" smtClean="0"/>
-              <a:t>1/30/2018</a:t>
+              <a:t>1/31/2018</a:t>
             </a:fld>
             <a:endParaRPr lang="en-US" dirty="0"/>
           </a:p>
@@ -5394,7 +5393,7 @@
           <a:p>
             <a:fld id="{4E5A6C69-6797-4E8A-BF37-F2C3751466E9}" type="datetimeFigureOut">
               <a:rPr lang="en-US" smtClean="0"/>
-              <a:t>1/30/2018</a:t>
+              <a:t>1/31/2018</a:t>
             </a:fld>
             <a:endParaRPr lang="en-US" dirty="0"/>
           </a:p>
@@ -5900,7 +5899,7 @@
           <a:p>
             <a:fld id="{D82014A1-A632-4878-A0D3-F52BA7563730}" type="datetimeFigureOut">
               <a:rPr lang="en-US" smtClean="0"/>
-              <a:t>1/30/2018</a:t>
+              <a:t>1/31/2018</a:t>
             </a:fld>
             <a:endParaRPr lang="en-US" dirty="0"/>
           </a:p>
@@ -6157,7 +6156,7 @@
           <a:p>
             <a:fld id="{CE99F462-093F-4566-844B-4C71F2739DA5}" type="datetimeFigureOut">
               <a:rPr lang="en-US" smtClean="0"/>
-              <a:t>1/30/2018</a:t>
+              <a:t>1/31/2018</a:t>
             </a:fld>
             <a:endParaRPr lang="en-US" dirty="0"/>
           </a:p>
@@ -6320,7 +6319,7 @@
           <a:p>
             <a:fld id="{3D24A7AC-904D-4781-85BA-7D10C17ED021}" type="datetimeFigureOut">
               <a:rPr lang="en-US" smtClean="0"/>
-              <a:t>1/30/2018</a:t>
+              <a:t>1/31/2018</a:t>
             </a:fld>
             <a:endParaRPr lang="en-US" dirty="0"/>
           </a:p>
@@ -6710,7 +6709,7 @@
           <a:p>
             <a:fld id="{E331444B-B92B-4E27-8C94-BB93EAF5CB18}" type="datetimeFigureOut">
               <a:rPr lang="en-US" smtClean="0"/>
-              <a:t>1/30/2018</a:t>
+              <a:t>1/31/2018</a:t>
             </a:fld>
             <a:endParaRPr lang="en-US" dirty="0"/>
           </a:p>
@@ -7119,7 +7118,7 @@
           <a:p>
             <a:fld id="{363EFA5E-FA76-400D-B3DC-F0BA90E6D107}" type="datetimeFigureOut">
               <a:rPr lang="en-US" smtClean="0"/>
-              <a:t>1/30/2018</a:t>
+              <a:t>1/31/2018</a:t>
             </a:fld>
             <a:endParaRPr lang="en-US" dirty="0"/>
           </a:p>
@@ -7363,7 +7362,7 @@
           <a:p>
             <a:fld id="{9D6E9DEC-419B-4CC5-A080-3B06BD5A8291}" type="datetimeFigureOut">
               <a:rPr lang="en-US" smtClean="0"/>
-              <a:t>1/30/2018</a:t>
+              <a:t>1/31/2018</a:t>
             </a:fld>
             <a:endParaRPr lang="en-US" dirty="0"/>
           </a:p>
@@ -7792,10 +7791,28 @@
           <a:lstStyle/>
           <a:p>
             <a:r>
-              <a:rPr lang="es-MX" i="1" dirty="0" smtClean="0"/>
-              <a:t>GO!</a:t>
-            </a:r>
-            <a:endParaRPr lang="es-MX" i="1" dirty="0"/>
+              <a:rPr lang="es-MX" b="1" dirty="0" smtClean="0">
+                <a:effectLst>
+                  <a:outerShdw blurRad="38100" dist="38100" dir="2700000" algn="tl">
+                    <a:srgbClr val="000000">
+                      <a:alpha val="43137"/>
+                    </a:srgbClr>
+                  </a:outerShdw>
+                </a:effectLst>
+                <a:latin typeface="Century Gothic" panose="020B0502020202020204" pitchFamily="34" charset="0"/>
+              </a:rPr>
+              <a:t>GO</a:t>
+            </a:r>
+            <a:endParaRPr lang="es-MX" b="1" dirty="0">
+              <a:effectLst>
+                <a:outerShdw blurRad="38100" dist="38100" dir="2700000" algn="tl">
+                  <a:srgbClr val="000000">
+                    <a:alpha val="43137"/>
+                  </a:srgbClr>
+                </a:outerShdw>
+              </a:effectLst>
+              <a:latin typeface="Century Gothic" panose="020B0502020202020204" pitchFamily="34" charset="0"/>
+            </a:endParaRPr>
           </a:p>
         </p:txBody>
       </p:sp>
@@ -7916,7 +7933,7 @@
         </p:spPr>
         <p:txBody>
           <a:bodyPr>
-            <a:normAutofit/>
+            <a:normAutofit lnSpcReduction="10000"/>
           </a:bodyPr>
           <a:lstStyle/>
           <a:p>
@@ -7931,8 +7948,42 @@
             </a:pPr>
             <a:r>
               <a:rPr lang="es-MX" sz="3000" dirty="0" smtClean="0"/>
-              <a:t>Recibe recompensas en puntos canjeables en productos o servicios al publicar, comentar, interactuar, pero sobre todo al ayudar a alguien de la comunidad.</a:t>
-            </a:r>
+              <a:t>Recibe recompensas en puntos canjeables en productos o servicios al publicar, comentar, interactuar, pero sobre todo al ayudar a </a:t>
+            </a:r>
+            <a:r>
+              <a:rPr lang="es-MX" sz="3000" dirty="0" err="1" smtClean="0"/>
+              <a:t>l@s</a:t>
+            </a:r>
+            <a:r>
+              <a:rPr lang="es-MX" sz="3000" dirty="0" smtClean="0"/>
+              <a:t> </a:t>
+            </a:r>
+            <a:r>
+              <a:rPr lang="es-MX" sz="3000" dirty="0" err="1" smtClean="0"/>
+              <a:t>miebr@s</a:t>
+            </a:r>
+            <a:r>
+              <a:rPr lang="es-MX" sz="3000" dirty="0" smtClean="0"/>
+              <a:t> de la comunidad </a:t>
+            </a:r>
+            <a:r>
+              <a:rPr lang="es-MX" sz="3000" b="1" dirty="0" smtClean="0">
+                <a:effectLst>
+                  <a:outerShdw blurRad="38100" dist="38100" dir="2700000" algn="tl">
+                    <a:srgbClr val="000000">
+                      <a:alpha val="43137"/>
+                    </a:srgbClr>
+                  </a:outerShdw>
+                </a:effectLst>
+                <a:latin typeface="Century Gothic" panose="020B0502020202020204" pitchFamily="34" charset="0"/>
+              </a:rPr>
+              <a:t>GO</a:t>
+            </a:r>
+            <a:r>
+              <a:rPr lang="es-MX" sz="3000" dirty="0" smtClean="0"/>
+              <a:t>.</a:t>
+            </a:r>
+            <a:endParaRPr lang="es-MX" sz="3000" dirty="0" smtClean="0"/>
           </a:p>
           <a:p>
             <a:pPr marL="0" indent="0" algn="ctr">
@@ -7946,7 +7997,28 @@
             </a:pPr>
             <a:r>
               <a:rPr lang="es-MX" sz="3000" dirty="0" smtClean="0"/>
-              <a:t>Mientras más participas, obtienes más beneficios.</a:t>
+              <a:t>Mientras más participas con </a:t>
+            </a:r>
+            <a:r>
+              <a:rPr lang="es-MX" sz="3000" b="1" dirty="0" smtClean="0">
+                <a:effectLst>
+                  <a:outerShdw blurRad="38100" dist="38100" dir="2700000" algn="tl">
+                    <a:srgbClr val="000000">
+                      <a:alpha val="43137"/>
+                    </a:srgbClr>
+                  </a:outerShdw>
+                </a:effectLst>
+                <a:latin typeface="Century Gothic" panose="020B0502020202020204" pitchFamily="34" charset="0"/>
+              </a:rPr>
+              <a:t>GO</a:t>
+            </a:r>
+            <a:r>
+              <a:rPr lang="es-MX" sz="3000" dirty="0" smtClean="0"/>
+              <a:t>, </a:t>
+            </a:r>
+            <a:r>
+              <a:rPr lang="es-MX" sz="3000" dirty="0" smtClean="0"/>
+              <a:t>obtienes más beneficios.</a:t>
             </a:r>
           </a:p>
           <a:p>
@@ -8215,25 +8287,13 @@
           <a:p>
             <a:r>
               <a:rPr lang="es-MX" dirty="0" smtClean="0"/>
-              <a:t>Te ayudamos a </a:t>
-            </a:r>
+              <a:t>Te ayudamos a planificar: publica tu destino y fecha tentativa de viaje y la comunidad puede darte recomendaciones que ayuden a mejorar tu experiencia </a:t>
+            </a:r>
+          </a:p>
+          <a:p>
             <a:r>
               <a:rPr lang="es-MX" dirty="0" smtClean="0"/>
-              <a:t>planificar: </a:t>
-            </a:r>
-            <a:r>
-              <a:rPr lang="es-MX" dirty="0" smtClean="0"/>
-              <a:t>publica tu destino y fecha tentativa de viaje y la comunidad puede darte recomendaciones que ayuden a mejorar tu experiencia </a:t>
-            </a:r>
-          </a:p>
-          <a:p>
-            <a:r>
-              <a:rPr lang="es-MX" dirty="0" smtClean="0"/>
-              <a:t>Status: publica tu </a:t>
-            </a:r>
-            <a:r>
-              <a:rPr lang="es-MX" dirty="0" smtClean="0"/>
-              <a:t>estado. </a:t>
+              <a:t>Status: publica tu estado. </a:t>
             </a:r>
             <a:r>
               <a:rPr lang="es-MX" dirty="0"/>
@@ -8241,11 +8301,7 @@
             </a:r>
             <a:r>
               <a:rPr lang="es-MX" dirty="0" smtClean="0"/>
-              <a:t>i </a:t>
-            </a:r>
-            <a:r>
-              <a:rPr lang="es-MX" dirty="0" smtClean="0"/>
-              <a:t>estás en planes, si estas viajando o estas en casa.</a:t>
+              <a:t>i estás en planes, si estas viajando o estas en casa.</a:t>
             </a:r>
           </a:p>
           <a:p>
@@ -8341,92 +8397,119 @@
           <a:p>
             <a:r>
               <a:rPr lang="es-MX" dirty="0" smtClean="0"/>
-              <a:t>Nuestra interfaz</a:t>
+              <a:t>¿Por qué </a:t>
+            </a:r>
+            <a:r>
+              <a:rPr lang="es-MX" dirty="0" smtClean="0"/>
+              <a:t>elegir </a:t>
+            </a:r>
+            <a:r>
+              <a:rPr lang="es-MX" b="1" dirty="0" smtClean="0">
+                <a:effectLst>
+                  <a:outerShdw blurRad="38100" dist="38100" dir="2700000" algn="tl">
+                    <a:srgbClr val="000000">
+                      <a:alpha val="43137"/>
+                    </a:srgbClr>
+                  </a:outerShdw>
+                </a:effectLst>
+                <a:latin typeface="Century Gothic" panose="020B0502020202020204" pitchFamily="34" charset="0"/>
+              </a:rPr>
+              <a:t>GO</a:t>
+            </a:r>
+            <a:r>
+              <a:rPr lang="es-MX" dirty="0" smtClean="0"/>
+              <a:t>?</a:t>
             </a:r>
             <a:endParaRPr lang="es-MX" dirty="0"/>
           </a:p>
         </p:txBody>
       </p:sp>
-    </p:spTree>
-    <p:extLst>
-      <p:ext uri="{BB962C8B-B14F-4D97-AF65-F5344CB8AC3E}">
-        <p14:creationId xmlns:p14="http://schemas.microsoft.com/office/powerpoint/2010/main" val="377296757"/>
-      </p:ext>
-    </p:extLst>
-  </p:cSld>
-  <p:clrMapOvr>
-    <a:masterClrMapping/>
-  </p:clrMapOvr>
-</p:sld>
-</file>
-
-<file path=ppt/slides/slide14.xml><?xml version="1.0" encoding="utf-8"?>
-<p:sld xmlns:a="http://schemas.openxmlformats.org/drawingml/2006/main" xmlns:r="http://schemas.openxmlformats.org/officeDocument/2006/relationships" xmlns:p="http://schemas.openxmlformats.org/presentationml/2006/main">
-  <p:cSld>
-    <p:spTree>
-      <p:nvGrpSpPr>
-        <p:cNvPr id="1" name=""/>
-        <p:cNvGrpSpPr/>
-        <p:nvPr/>
-      </p:nvGrpSpPr>
-      <p:grpSpPr>
-        <a:xfrm>
-          <a:off x="0" y="0"/>
-          <a:ext cx="0" cy="0"/>
-          <a:chOff x="0" y="0"/>
-          <a:chExt cx="0" cy="0"/>
-        </a:xfrm>
-      </p:grpSpPr>
-      <p:sp>
-        <p:nvSpPr>
-          <p:cNvPr id="2" name="Título 1"/>
-          <p:cNvSpPr>
-            <a:spLocks noGrp="1"/>
-          </p:cNvSpPr>
-          <p:nvPr>
-            <p:ph type="title"/>
-          </p:nvPr>
-        </p:nvSpPr>
-        <p:spPr/>
+      <p:sp>
+        <p:nvSpPr>
+          <p:cNvPr id="3" name="Marcador de contenido 2"/>
+          <p:cNvSpPr>
+            <a:spLocks noGrp="1"/>
+          </p:cNvSpPr>
+          <p:nvPr>
+            <p:ph idx="1"/>
+          </p:nvPr>
+        </p:nvSpPr>
+        <p:spPr>
+          <a:xfrm>
+            <a:off x="1158303" y="2856419"/>
+            <a:ext cx="9613861" cy="3599316"/>
+          </a:xfrm>
+        </p:spPr>
         <p:txBody>
           <a:bodyPr/>
           <a:lstStyle/>
           <a:p>
             <a:r>
               <a:rPr lang="es-MX" dirty="0"/>
-              <a:t>I</a:t>
+              <a:t>En </a:t>
+            </a:r>
+            <a:r>
+              <a:rPr lang="es-MX" b="1" dirty="0" smtClean="0">
+                <a:effectLst>
+                  <a:outerShdw blurRad="38100" dist="38100" dir="2700000" algn="tl">
+                    <a:srgbClr val="000000">
+                      <a:alpha val="43137"/>
+                    </a:srgbClr>
+                  </a:outerShdw>
+                </a:effectLst>
+                <a:latin typeface="Century Gothic" panose="020B0502020202020204" pitchFamily="34" charset="0"/>
+              </a:rPr>
+              <a:t>GO</a:t>
             </a:r>
             <a:r>
               <a:rPr lang="es-MX" dirty="0" smtClean="0"/>
-              <a:t>deas principales</a:t>
-            </a:r>
+              <a:t> </a:t>
+            </a:r>
+            <a:r>
+              <a:rPr lang="es-MX" dirty="0"/>
+              <a:t>siempre </a:t>
+            </a:r>
+            <a:r>
+              <a:rPr lang="es-MX" dirty="0" smtClean="0"/>
+              <a:t>encuentro a </a:t>
+            </a:r>
+            <a:r>
+              <a:rPr lang="es-MX" dirty="0"/>
+              <a:t>alguien </a:t>
+            </a:r>
+            <a:r>
+              <a:rPr lang="es-MX" dirty="0" smtClean="0"/>
+              <a:t>que me ayuda a hacer de cada viaje una experiencia extraordinaria.</a:t>
+            </a:r>
+          </a:p>
+          <a:p>
             <a:endParaRPr lang="es-MX" dirty="0"/>
           </a:p>
-        </p:txBody>
-      </p:sp>
-      <p:sp>
-        <p:nvSpPr>
-          <p:cNvPr id="3" name="Marcador de contenido 2"/>
-          <p:cNvSpPr>
-            <a:spLocks noGrp="1"/>
-          </p:cNvSpPr>
-          <p:nvPr>
-            <p:ph idx="1"/>
-          </p:nvPr>
-        </p:nvSpPr>
-        <p:spPr>
-          <a:xfrm>
-            <a:off x="1158303" y="2856419"/>
-            <a:ext cx="9613861" cy="3599316"/>
-          </a:xfrm>
-        </p:spPr>
-        <p:txBody>
-          <a:bodyPr/>
-          <a:lstStyle/>
           <a:p>
             <a:r>
               <a:rPr lang="es-MX" dirty="0"/>
-              <a:t>En GO siempre hay alguien a quien preguntar y pedirle consejos</a:t>
+              <a:t>Con </a:t>
+            </a:r>
+            <a:r>
+              <a:rPr lang="es-MX" b="1" dirty="0" smtClean="0">
+                <a:effectLst>
+                  <a:outerShdw blurRad="38100" dist="38100" dir="2700000" algn="tl">
+                    <a:srgbClr val="000000">
+                      <a:alpha val="43137"/>
+                    </a:srgbClr>
+                  </a:outerShdw>
+                </a:effectLst>
+                <a:latin typeface="Century Gothic" panose="020B0502020202020204" pitchFamily="34" charset="0"/>
+              </a:rPr>
+              <a:t>GO</a:t>
+            </a:r>
+            <a:r>
+              <a:rPr lang="es-MX" dirty="0" smtClean="0"/>
+              <a:t> </a:t>
+            </a:r>
+            <a:r>
+              <a:rPr lang="es-MX" dirty="0"/>
+              <a:t>puedo acumular puntos por recompensas</a:t>
             </a:r>
             <a:r>
               <a:rPr lang="es-MX" dirty="0" smtClean="0"/>
@@ -8434,19 +8517,6 @@
             </a:r>
           </a:p>
           <a:p>
-            <a:endParaRPr lang="es-MX" dirty="0"/>
-          </a:p>
-          <a:p>
-            <a:r>
-              <a:rPr lang="es-MX" dirty="0"/>
-              <a:t>Con GO puedo acumular puntos por recompensas</a:t>
-            </a:r>
-            <a:r>
-              <a:rPr lang="es-MX" dirty="0" smtClean="0"/>
-              <a:t>.</a:t>
-            </a:r>
-          </a:p>
-          <a:p>
             <a:pPr marL="0" indent="0">
               <a:buNone/>
             </a:pPr>
@@ -8455,7 +8525,28 @@
           <a:p>
             <a:r>
               <a:rPr lang="es-MX" dirty="0"/>
-              <a:t>Puedo publicar en GO mis experiencias de viaje y automáticamente se publicarán en mis redes sociales.</a:t>
+              <a:t>Puedo publicar en </a:t>
+            </a:r>
+            <a:r>
+              <a:rPr lang="es-MX" b="1" dirty="0" smtClean="0">
+                <a:effectLst>
+                  <a:outerShdw blurRad="38100" dist="38100" dir="2700000" algn="tl">
+                    <a:srgbClr val="000000">
+                      <a:alpha val="43137"/>
+                    </a:srgbClr>
+                  </a:outerShdw>
+                </a:effectLst>
+                <a:latin typeface="Century Gothic" panose="020B0502020202020204" pitchFamily="34" charset="0"/>
+              </a:rPr>
+              <a:t>GO</a:t>
+            </a:r>
+            <a:r>
+              <a:rPr lang="es-MX" dirty="0" smtClean="0"/>
+              <a:t> </a:t>
+            </a:r>
+            <a:r>
+              <a:rPr lang="es-MX" dirty="0"/>
+              <a:t>mis experiencias de viaje y automáticamente se publicarán en mis redes sociales.</a:t>
             </a:r>
           </a:p>
           <a:p>
@@ -8483,7 +8574,7 @@
 </p:sld>
 </file>
 
-<file path=ppt/slides/slide15.xml><?xml version="1.0" encoding="utf-8"?>
+<file path=ppt/slides/slide14.xml><?xml version="1.0" encoding="utf-8"?>
 <p:sld xmlns:a="http://schemas.openxmlformats.org/drawingml/2006/main" xmlns:r="http://schemas.openxmlformats.org/officeDocument/2006/relationships" xmlns:p="http://schemas.openxmlformats.org/presentationml/2006/main">
   <p:cSld>
     <p:spTree>
@@ -8586,7 +8677,7 @@
 </p:sld>
 </file>
 
-<file path=ppt/slides/slide16.xml><?xml version="1.0" encoding="utf-8"?>
+<file path=ppt/slides/slide15.xml><?xml version="1.0" encoding="utf-8"?>
 <p:sld xmlns:a="http://schemas.openxmlformats.org/drawingml/2006/main" xmlns:r="http://schemas.openxmlformats.org/officeDocument/2006/relationships" xmlns:p="http://schemas.openxmlformats.org/presentationml/2006/main">
   <p:cSld>
     <p:spTree>
@@ -8656,10 +8747,28 @@
               <a:buNone/>
             </a:pPr>
             <a:r>
-              <a:rPr lang="es-MX" sz="11100" i="1" dirty="0" smtClean="0"/>
-              <a:t>GO!</a:t>
-            </a:r>
-            <a:endParaRPr lang="es-MX" sz="11100" i="1" dirty="0"/>
+              <a:rPr lang="es-MX" sz="11100" b="1" dirty="0" smtClean="0">
+                <a:effectLst>
+                  <a:outerShdw blurRad="38100" dist="38100" dir="2700000" algn="tl">
+                    <a:srgbClr val="000000">
+                      <a:alpha val="43137"/>
+                    </a:srgbClr>
+                  </a:outerShdw>
+                </a:effectLst>
+                <a:latin typeface="Century Gothic" panose="020B0502020202020204" pitchFamily="34" charset="0"/>
+              </a:rPr>
+              <a:t>GO</a:t>
+            </a:r>
+            <a:endParaRPr lang="es-MX" sz="11100" b="1" dirty="0">
+              <a:effectLst>
+                <a:outerShdw blurRad="38100" dist="38100" dir="2700000" algn="tl">
+                  <a:srgbClr val="000000">
+                    <a:alpha val="43137"/>
+                  </a:srgbClr>
+                </a:outerShdw>
+              </a:effectLst>
+              <a:latin typeface="Century Gothic" panose="020B0502020202020204" pitchFamily="34" charset="0"/>
+            </a:endParaRPr>
           </a:p>
         </p:txBody>
       </p:sp>
@@ -8722,7 +8831,12 @@
             <p:ph type="title"/>
           </p:nvPr>
         </p:nvSpPr>
-        <p:spPr/>
+        <p:spPr>
+          <a:xfrm>
+            <a:off x="680320" y="583410"/>
+            <a:ext cx="9613861" cy="1080938"/>
+          </a:xfrm>
+        </p:spPr>
         <p:txBody>
           <a:bodyPr>
             <a:normAutofit fontScale="90000"/>
@@ -8738,23 +8852,27 @@
             </a:br>
             <a:r>
               <a:rPr lang="es-MX" dirty="0" smtClean="0"/>
-              <a:t>No </a:t>
-            </a:r>
-            <a:r>
-              <a:rPr lang="es-MX" dirty="0"/>
-              <a:t>quieres quedarte con la duda de qué hubiese pasado si</a:t>
-            </a:r>
-            <a:r>
+              <a:t/>
+            </a:r>
+            <a:br>
               <a:rPr lang="es-MX" dirty="0" smtClean="0"/>
-              <a:t>…                </a:t>
-            </a:r>
+            </a:br>
             <a:r>
               <a:rPr lang="es-MX" dirty="0" smtClean="0"/>
-              <a:t>               </a:t>
-            </a:r>
-            <a:r>
-              <a:rPr lang="es-MX" sz="4400" i="1" dirty="0" smtClean="0"/>
-              <a:t>GO!</a:t>
+              <a:t>¿Te has preguntado de qué te estas perdiendo aquí y ahora? 						</a:t>
+            </a:r>
+            <a:r>
+              <a:rPr lang="es-MX" sz="4400" b="1" dirty="0" smtClean="0">
+                <a:effectLst>
+                  <a:outerShdw blurRad="38100" dist="38100" dir="2700000" algn="tl">
+                    <a:srgbClr val="000000">
+                      <a:alpha val="43137"/>
+                    </a:srgbClr>
+                  </a:outerShdw>
+                </a:effectLst>
+                <a:latin typeface="Century Gothic" panose="020B0502020202020204" pitchFamily="34" charset="0"/>
+              </a:rPr>
+              <a:t>GO</a:t>
             </a:r>
             <a:r>
               <a:rPr lang="es-MX" dirty="0"/>
@@ -8777,7 +8895,12 @@
             <p:ph idx="1"/>
           </p:nvPr>
         </p:nvSpPr>
-        <p:spPr/>
+        <p:spPr>
+          <a:xfrm>
+            <a:off x="680320" y="2180118"/>
+            <a:ext cx="9848343" cy="4246808"/>
+          </a:xfrm>
+        </p:spPr>
         <p:txBody>
           <a:bodyPr/>
           <a:lstStyle/>
@@ -8785,25 +8908,96 @@
             <a:pPr marL="0" indent="0">
               <a:buNone/>
             </a:pPr>
-            <a:r>
-              <a:rPr lang="es-MX" dirty="0" smtClean="0"/>
-              <a:t>Algunas experiencias de viaje de </a:t>
-            </a:r>
-            <a:r>
-              <a:rPr lang="es-MX" dirty="0" err="1" smtClean="0"/>
+            <a:endParaRPr lang="es-MX" sz="2000" dirty="0" smtClean="0"/>
+          </a:p>
+          <a:p>
+            <a:pPr marL="0" indent="0">
+              <a:buNone/>
+            </a:pPr>
+            <a:r>
+              <a:rPr lang="es-MX" sz="2000" dirty="0" smtClean="0"/>
+              <a:t>Razones por las que </a:t>
+            </a:r>
+            <a:r>
+              <a:rPr lang="es-MX" sz="2000" dirty="0" err="1" smtClean="0"/>
               <a:t>nuestr@s</a:t>
             </a:r>
             <a:r>
-              <a:rPr lang="es-MX" dirty="0" smtClean="0"/>
+              <a:rPr lang="es-MX" sz="2000" dirty="0" smtClean="0"/>
               <a:t> </a:t>
             </a:r>
             <a:r>
-              <a:rPr lang="es-MX" dirty="0" err="1" smtClean="0"/>
+              <a:rPr lang="es-MX" sz="2000" dirty="0" err="1" smtClean="0"/>
               <a:t>usuari@s</a:t>
             </a:r>
             <a:r>
-              <a:rPr lang="es-MX" dirty="0" smtClean="0"/>
-              <a:t>:</a:t>
+              <a:rPr lang="es-MX" sz="2000" dirty="0" smtClean="0"/>
+              <a:t> dicen que vale la pena viajar en aventura al extranjero:</a:t>
+            </a:r>
+          </a:p>
+          <a:p>
+            <a:pPr marL="0" indent="0">
+              <a:buNone/>
+            </a:pPr>
+            <a:endParaRPr lang="es-MX" sz="2000" dirty="0"/>
+          </a:p>
+          <a:p>
+            <a:r>
+              <a:rPr lang="es-MX" sz="2000" dirty="0" smtClean="0"/>
+              <a:t>“Me </a:t>
+            </a:r>
+            <a:r>
+              <a:rPr lang="es-MX" sz="2000" dirty="0"/>
+              <a:t>quedé más de 200 veces en casas de familia alrededor del </a:t>
+            </a:r>
+            <a:r>
+              <a:rPr lang="es-MX" sz="2000" dirty="0" smtClean="0"/>
+              <a:t>mundo”</a:t>
+            </a:r>
+            <a:endParaRPr lang="es-MX" sz="2000" dirty="0"/>
+          </a:p>
+          <a:p>
+            <a:r>
+              <a:rPr lang="es-MX" sz="2000" dirty="0" smtClean="0"/>
+              <a:t>“Me </a:t>
+            </a:r>
+            <a:r>
+              <a:rPr lang="es-MX" sz="2000" dirty="0"/>
+              <a:t>animé a hablar con extraños y a </a:t>
+            </a:r>
+            <a:r>
+              <a:rPr lang="es-MX" sz="2000" dirty="0" smtClean="0"/>
+              <a:t>fotografiarlos”</a:t>
+            </a:r>
+            <a:endParaRPr lang="es-MX" sz="2000" dirty="0"/>
+          </a:p>
+          <a:p>
+            <a:r>
+              <a:rPr lang="es-MX" sz="2000" dirty="0" smtClean="0"/>
+              <a:t>“Probé </a:t>
+            </a:r>
+            <a:r>
+              <a:rPr lang="es-MX" sz="2000" dirty="0"/>
+              <a:t>comidas de todos los </a:t>
+            </a:r>
+            <a:r>
+              <a:rPr lang="es-MX" sz="2000" dirty="0" smtClean="0"/>
+              <a:t>continentes”</a:t>
+            </a:r>
+            <a:endParaRPr lang="es-MX" sz="2000" dirty="0"/>
+          </a:p>
+          <a:p>
+            <a:r>
+              <a:rPr lang="es-MX" sz="2000" dirty="0" smtClean="0"/>
+              <a:t>“Conocí </a:t>
+            </a:r>
+            <a:r>
+              <a:rPr lang="es-MX" sz="2000" dirty="0"/>
+              <a:t>a algunas de las personas más importantes de mi </a:t>
+            </a:r>
+            <a:r>
+              <a:rPr lang="es-MX" sz="2000" dirty="0" smtClean="0"/>
+              <a:t>vida”</a:t>
             </a:r>
           </a:p>
           <a:p>
@@ -8813,63 +9007,21 @@
             <a:endParaRPr lang="es-MX" dirty="0"/>
           </a:p>
           <a:p>
-            <a:r>
-              <a:rPr lang="es-MX" dirty="0" smtClean="0"/>
-              <a:t>Me </a:t>
-            </a:r>
-            <a:r>
-              <a:rPr lang="es-MX" dirty="0"/>
-              <a:t>quedé más de 200 veces en casas de familia alrededor del </a:t>
-            </a:r>
-            <a:r>
-              <a:rPr lang="es-MX" dirty="0" smtClean="0"/>
-              <a:t>mundo</a:t>
-            </a:r>
+            <a:pPr marL="0" indent="0">
+              <a:buNone/>
+            </a:pPr>
+            <a:r>
+              <a:rPr lang="es-MX" i="1" dirty="0" smtClean="0"/>
+              <a:t>                                       ¡Experiencias que vale la pena compartir!</a:t>
+            </a:r>
+          </a:p>
+          <a:p>
             <a:endParaRPr lang="es-MX" dirty="0"/>
           </a:p>
           <a:p>
-            <a:r>
-              <a:rPr lang="es-MX" dirty="0" smtClean="0"/>
-              <a:t>Me </a:t>
-            </a:r>
-            <a:r>
-              <a:rPr lang="es-MX" dirty="0"/>
-              <a:t>animé a hablar con extraños y a </a:t>
-            </a:r>
-            <a:r>
-              <a:rPr lang="es-MX" dirty="0" smtClean="0"/>
-              <a:t>fotografiarlos</a:t>
-            </a:r>
-            <a:endParaRPr lang="es-MX" dirty="0"/>
-          </a:p>
-          <a:p>
-            <a:r>
-              <a:rPr lang="es-MX" dirty="0" smtClean="0"/>
-              <a:t>Probé </a:t>
-            </a:r>
-            <a:r>
-              <a:rPr lang="es-MX" dirty="0"/>
-              <a:t>comidas de todos los </a:t>
-            </a:r>
-            <a:r>
-              <a:rPr lang="es-MX" dirty="0" smtClean="0"/>
-              <a:t>continentes</a:t>
-            </a:r>
-            <a:endParaRPr lang="es-MX" dirty="0"/>
-          </a:p>
-          <a:p>
-            <a:r>
-              <a:rPr lang="es-MX" dirty="0" smtClean="0"/>
-              <a:t>Conocí </a:t>
-            </a:r>
-            <a:r>
-              <a:rPr lang="es-MX" dirty="0"/>
-              <a:t>a algunas de las personas más importantes de mi </a:t>
-            </a:r>
-            <a:r>
-              <a:rPr lang="es-MX" dirty="0" smtClean="0"/>
-              <a:t>vida</a:t>
-            </a:r>
+            <a:endParaRPr lang="es-MX" dirty="0" smtClean="0"/>
+          </a:p>
+          <a:p>
             <a:endParaRPr lang="es-MX" dirty="0"/>
           </a:p>
           <a:p>
@@ -8951,10 +9103,21 @@
               <a:t> de </a:t>
             </a:r>
             <a:r>
-              <a:rPr lang="es-MX" i="1" dirty="0" smtClean="0"/>
-              <a:t>GO!</a:t>
-            </a:r>
-            <a:endParaRPr lang="es-MX" i="1" dirty="0"/>
+              <a:rPr lang="es-MX" b="1" dirty="0" smtClean="0">
+                <a:effectLst>
+                  <a:outerShdw blurRad="38100" dist="38100" dir="2700000" algn="tl">
+                    <a:srgbClr val="000000">
+                      <a:alpha val="43137"/>
+                    </a:srgbClr>
+                  </a:outerShdw>
+                </a:effectLst>
+                <a:latin typeface="Century Gothic" panose="020B0502020202020204" pitchFamily="34" charset="0"/>
+              </a:rPr>
+              <a:t>GO</a:t>
+            </a:r>
+            <a:endParaRPr lang="es-MX" b="1" i="1" dirty="0">
+              <a:latin typeface="Century Gothic" panose="020B0502020202020204" pitchFamily="34" charset="0"/>
+            </a:endParaRPr>
           </a:p>
         </p:txBody>
       </p:sp>
@@ -9239,7 +9402,15 @@
             </a:pPr>
             <a:r>
               <a:rPr lang="es-MX" sz="1800" dirty="0"/>
-              <a:t>Viaja por placer pero nunca desaprovecha la oportunidad de difundir la partería y los derechos de las madres y sus bebés en embarazo parto y puerperio. Promueve los derechos de las mujeres en general. Ama su trabajo</a:t>
+              <a:t>Viaja por placer pero nunca desaprovecha la oportunidad de difundir la partería y los derechos de las madres y sus bebés en </a:t>
+            </a:r>
+            <a:r>
+              <a:rPr lang="es-MX" sz="1800" dirty="0" smtClean="0"/>
+              <a:t>embarazo, </a:t>
+            </a:r>
+            <a:r>
+              <a:rPr lang="es-MX" sz="1800" dirty="0"/>
+              <a:t>parto y puerperio. Promueve los derechos de las mujeres en general. Ama su trabajo</a:t>
             </a:r>
           </a:p>
           <a:p>
@@ -10080,7 +10251,7 @@
           <a:p>
             <a:r>
               <a:rPr lang="es-MX" dirty="0" smtClean="0"/>
-              <a:t>Me hubiera gustado que alguien me recomendara un lugar barato para cenar por la noche en NY. Llegué harta de los </a:t>
+              <a:t>Me hubiera gustado que alguien me recomendara un lugar barato para cenar por la noche en NY. La primera vez regresé harta de los </a:t>
             </a:r>
             <a:r>
               <a:rPr lang="es-MX" dirty="0" err="1" smtClean="0"/>
@@ -10214,7 +10385,6 @@
               <a:rPr lang="es-MX" sz="3200" i="1" dirty="0" smtClean="0"/>
               <a:t>Yo no viajo porque…</a:t>
             </a:r>
-            <a:endParaRPr lang="es-MX" sz="3200" i="1" dirty="0" smtClean="0"/>
           </a:p>
           <a:p>
             <a:endParaRPr lang="es-MX" dirty="0" smtClean="0"/>
@@ -10270,8 +10440,26 @@
             </a:pPr>
             <a:r>
               <a:rPr lang="es-MX" sz="3200" i="1" dirty="0" smtClean="0"/>
-              <a:t>Con GO!...</a:t>
-            </a:r>
+              <a:t>Con </a:t>
+            </a:r>
+            <a:r>
+              <a:rPr lang="es-MX" sz="3200" b="1" dirty="0" smtClean="0">
+                <a:effectLst>
+                  <a:outerShdw blurRad="38100" dist="38100" dir="2700000" algn="tl">
+                    <a:srgbClr val="000000">
+                      <a:alpha val="43137"/>
+                    </a:srgbClr>
+                  </a:outerShdw>
+                </a:effectLst>
+                <a:latin typeface="Century Gothic" panose="020B0502020202020204" pitchFamily="34" charset="0"/>
+              </a:rPr>
+              <a:t>GO</a:t>
+            </a:r>
+            <a:r>
+              <a:rPr lang="es-MX" sz="3200" i="1" dirty="0" smtClean="0"/>
+              <a:t>...</a:t>
+            </a:r>
+            <a:endParaRPr lang="es-MX" sz="3200" i="1" dirty="0" smtClean="0"/>
           </a:p>
           <a:p>
             <a:pPr marL="0" indent="0">
@@ -10282,11 +10470,15 @@
           <a:p>
             <a:r>
               <a:rPr lang="es-MX" dirty="0" smtClean="0"/>
-              <a:t>Siempre </a:t>
+              <a:t>Siempre sabrás donde están los lugares con las tres B</a:t>
+            </a:r>
+            <a:r>
+              <a:rPr lang="es-MX" dirty="0"/>
+              <a:t> </a:t>
             </a:r>
             <a:r>
               <a:rPr lang="es-MX" dirty="0" smtClean="0"/>
-              <a:t>hay lugares con las tres B, pero hay que saber dónde están.</a:t>
+              <a:t>(Bueno, bonito y barato)</a:t>
             </a:r>
           </a:p>
           <a:p>
@@ -10389,7 +10581,7 @@
         <p:spPr/>
         <p:txBody>
           <a:bodyPr>
-            <a:normAutofit lnSpcReduction="10000"/>
+            <a:normAutofit fontScale="85000" lnSpcReduction="20000"/>
           </a:bodyPr>
           <a:lstStyle/>
           <a:p>
@@ -10422,6 +10614,15 @@
             <a:endParaRPr lang="es-MX" dirty="0" smtClean="0"/>
           </a:p>
           <a:p>
+            <a:endParaRPr lang="es-MX" dirty="0" smtClean="0"/>
+          </a:p>
+          <a:p>
+            <a:endParaRPr lang="es-MX" dirty="0"/>
+          </a:p>
+          <a:p>
+            <a:endParaRPr lang="es-MX" dirty="0" smtClean="0"/>
+          </a:p>
+          <a:p>
             <a:r>
               <a:rPr lang="es-MX" dirty="0" smtClean="0"/>
               <a:t>Me da flojera tener que publicar en </a:t>
@@ -10456,7 +10657,7 @@
         </p:spPr>
         <p:txBody>
           <a:bodyPr>
-            <a:normAutofit lnSpcReduction="10000"/>
+            <a:normAutofit fontScale="85000" lnSpcReduction="20000"/>
           </a:bodyPr>
           <a:lstStyle/>
           <a:p>
@@ -10469,6 +10670,12 @@
             <a:r>
               <a:rPr lang="es-MX" dirty="0" smtClean="0"/>
               <a:t>La comunidad puede informarte acerca de los horarios y lugares más seguros para realizar tus recorridos.</a:t>
+            </a:r>
+          </a:p>
+          <a:p>
+            <a:r>
+              <a:rPr lang="es-MX" dirty="0" smtClean="0"/>
+              <a:t>Si de todos modos prefieres un turismo más convencional, podrás saber acerca de los mejores lugares a los mejores precios.</a:t>
             </a:r>
           </a:p>
           <a:p>
